--- a/01_t/t_01_requests.pptx
+++ b/01_t/t_01_requests.pptx
@@ -230,7 +230,7 @@
           <a:p>
             <a:fld id="{F5F81D02-0776-4724-B6B2-0D6AF26E790A}" type="datetimeFigureOut">
               <a:rPr lang="es-ES" smtClean="0"/>
-              <a:t>17/05/2021</a:t>
+              <a:t>19/05/2021</a:t>
             </a:fld>
             <a:endParaRPr lang="es-ES"/>
           </a:p>
@@ -407,7 +407,7 @@
           <a:p>
             <a:fld id="{32FE3A88-5890-4CEA-AC13-430CCEC3F63F}" type="datetimeFigureOut">
               <a:rPr lang="es-ES" smtClean="0"/>
-              <a:t>17/05/2021</a:t>
+              <a:t>19/05/2021</a:t>
             </a:fld>
             <a:endParaRPr lang="es-ES"/>
           </a:p>
@@ -5218,7 +5218,7 @@
               <a:rPr lang="es-ES" sz="2500" dirty="0">
                 <a:latin typeface="Consolas" panose="020B0609020204030204" pitchFamily="49" charset="0"/>
               </a:rPr>
-              <a:t>, data={“var1”: “a”, “var2”: “b”).</a:t>
+              <a:t>, data={“var1”: “a”, “var2”: “b”}).</a:t>
             </a:r>
           </a:p>
         </p:txBody>
